--- a/slides/databases_and_redis.pptx
+++ b/slides/databases_and_redis.pptx
@@ -285,7 +285,7 @@
           <a:p>
             <a:fld id="{E1249EDF-C441-401E-BE19-3A9BC3A020D4}" type="datetimeFigureOut">
               <a:rPr lang="en-US" smtClean="0"/>
-              <a:t>10/5/2025</a:t>
+              <a:t>10/6/2025</a:t>
             </a:fld>
             <a:endParaRPr lang="en-US"/>
           </a:p>
@@ -463,7 +463,7 @@
           <a:p>
             <a:fld id="{EC53C71B-473E-4814-B444-77926C773EE5}" type="datetimeFigureOut">
               <a:rPr lang="en-US" smtClean="0"/>
-              <a:t>10/5/2025</a:t>
+              <a:t>10/6/2025</a:t>
             </a:fld>
             <a:endParaRPr lang="en-US"/>
           </a:p>
@@ -1158,6 +1158,67 @@
           <a:bodyPr/>
           <a:lstStyle/>
           <a:p>
+            <a:endParaRPr lang="en-US" dirty="0"/>
+          </a:p>
+        </p:txBody>
+      </p:sp>
+    </p:spTree>
+    <p:extLst>
+      <p:ext uri="{BB962C8B-B14F-4D97-AF65-F5344CB8AC3E}">
+        <p14:creationId xmlns:p14="http://schemas.microsoft.com/office/powerpoint/2010/main" val="2998569407"/>
+      </p:ext>
+    </p:extLst>
+  </p:cSld>
+  <p:clrMapOvr>
+    <a:masterClrMapping/>
+  </p:clrMapOvr>
+</p:notes>
+</file>
+
+<file path=ppt/notesSlides/notesSlide7.xml><?xml version="1.0" encoding="utf-8"?>
+<p:notes xmlns:a="http://schemas.openxmlformats.org/drawingml/2006/main" xmlns:r="http://schemas.openxmlformats.org/officeDocument/2006/relationships" xmlns:p="http://schemas.openxmlformats.org/presentationml/2006/main">
+  <p:cSld>
+    <p:spTree>
+      <p:nvGrpSpPr>
+        <p:cNvPr id="1" name=""/>
+        <p:cNvGrpSpPr/>
+        <p:nvPr/>
+      </p:nvGrpSpPr>
+      <p:grpSpPr>
+        <a:xfrm>
+          <a:off x="0" y="0"/>
+          <a:ext cx="0" cy="0"/>
+          <a:chOff x="0" y="0"/>
+          <a:chExt cx="0" cy="0"/>
+        </a:xfrm>
+      </p:grpSpPr>
+      <p:sp>
+        <p:nvSpPr>
+          <p:cNvPr id="2" name="Slide Image Placeholder 1"/>
+          <p:cNvSpPr>
+            <a:spLocks noGrp="1" noRot="1" noChangeAspect="1"/>
+          </p:cNvSpPr>
+          <p:nvPr>
+            <p:ph type="sldImg"/>
+          </p:nvPr>
+        </p:nvSpPr>
+        <p:spPr/>
+      </p:sp>
+      <p:sp>
+        <p:nvSpPr>
+          <p:cNvPr id="3" name="Notes Placeholder 2"/>
+          <p:cNvSpPr>
+            <a:spLocks noGrp="1"/>
+          </p:cNvSpPr>
+          <p:nvPr>
+            <p:ph type="body" idx="1"/>
+          </p:nvPr>
+        </p:nvSpPr>
+        <p:spPr/>
+        <p:txBody>
+          <a:bodyPr/>
+          <a:lstStyle/>
+          <a:p>
             <a:r>
               <a:rPr lang="en-US" dirty="0"/>
               <a:t>- Asynchronous save - BGSAVE</a:t>
@@ -1362,7 +1423,7 @@
               <a:pPr>
                 <a:defRPr/>
               </a:pPr>
-              <a:t>Sunday, October 5, 2025</a:t>
+              <a:t>Monday, October 6, 2025</a:t>
             </a:fld>
             <a:endParaRPr lang="en-US" dirty="0"/>
           </a:p>
@@ -1576,7 +1637,7 @@
               <a:pPr>
                 <a:defRPr/>
               </a:pPr>
-              <a:t>Sunday, October 5, 2025</a:t>
+              <a:t>Monday, October 6, 2025</a:t>
             </a:fld>
             <a:endParaRPr lang="en-US" dirty="0"/>
           </a:p>
@@ -1991,7 +2052,7 @@
               <a:pPr>
                 <a:defRPr/>
               </a:pPr>
-              <a:t>Sunday, October 5, 2025</a:t>
+              <a:t>Monday, October 6, 2025</a:t>
             </a:fld>
             <a:endParaRPr lang="en-US" dirty="0"/>
           </a:p>
@@ -2351,7 +2412,7 @@
               <a:pPr>
                 <a:defRPr/>
               </a:pPr>
-              <a:t>Sunday, October 5, 2025</a:t>
+              <a:t>Monday, October 6, 2025</a:t>
             </a:fld>
             <a:endParaRPr lang="en-US" dirty="0"/>
           </a:p>
@@ -2629,7 +2690,7 @@
               <a:pPr>
                 <a:defRPr/>
               </a:pPr>
-              <a:t>Sunday, October 5, 2025</a:t>
+              <a:t>Monday, October 6, 2025</a:t>
             </a:fld>
             <a:endParaRPr lang="en-US" dirty="0"/>
           </a:p>
@@ -2913,7 +2974,7 @@
               <a:pPr>
                 <a:defRPr/>
               </a:pPr>
-              <a:t>Sunday, October 5, 2025</a:t>
+              <a:t>Monday, October 6, 2025</a:t>
             </a:fld>
             <a:endParaRPr lang="en-US" dirty="0"/>
           </a:p>
@@ -3466,7 +3527,7 @@
               <a:pPr>
                 <a:defRPr/>
               </a:pPr>
-              <a:t>Sunday, October 5, 2025</a:t>
+              <a:t>Monday, October 6, 2025</a:t>
             </a:fld>
             <a:endParaRPr lang="en-US" dirty="0"/>
           </a:p>
@@ -5613,6 +5674,196 @@
   <p:clrMapOvr>
     <a:masterClrMapping/>
   </p:clrMapOvr>
+  <p:timing>
+    <p:tnLst>
+      <p:par>
+        <p:cTn id="1" dur="indefinite" restart="never" nodeType="tmRoot">
+          <p:childTnLst>
+            <p:seq concurrent="1" nextAc="seek">
+              <p:cTn id="2" dur="indefinite" nodeType="mainSeq">
+                <p:childTnLst>
+                  <p:par>
+                    <p:cTn id="3" fill="hold">
+                      <p:stCondLst>
+                        <p:cond delay="indefinite"/>
+                      </p:stCondLst>
+                      <p:childTnLst>
+                        <p:par>
+                          <p:cTn id="4" fill="hold">
+                            <p:stCondLst>
+                              <p:cond delay="0"/>
+                            </p:stCondLst>
+                            <p:childTnLst>
+                              <p:par>
+                                <p:cTn id="5" presetID="1" presetClass="entr" presetSubtype="0" fill="hold" nodeType="clickEffect">
+                                  <p:stCondLst>
+                                    <p:cond delay="0"/>
+                                  </p:stCondLst>
+                                  <p:childTnLst>
+                                    <p:set>
+                                      <p:cBhvr>
+                                        <p:cTn id="6" dur="1" fill="hold">
+                                          <p:stCondLst>
+                                            <p:cond delay="0"/>
+                                          </p:stCondLst>
+                                        </p:cTn>
+                                        <p:tgtEl>
+                                          <p:spTgt spid="6">
+                                            <p:txEl>
+                                              <p:pRg st="2" end="2"/>
+                                            </p:txEl>
+                                          </p:spTgt>
+                                        </p:tgtEl>
+                                        <p:attrNameLst>
+                                          <p:attrName>style.visibility</p:attrName>
+                                        </p:attrNameLst>
+                                      </p:cBhvr>
+                                      <p:to>
+                                        <p:strVal val="visible"/>
+                                      </p:to>
+                                    </p:set>
+                                  </p:childTnLst>
+                                </p:cTn>
+                              </p:par>
+                            </p:childTnLst>
+                          </p:cTn>
+                        </p:par>
+                      </p:childTnLst>
+                    </p:cTn>
+                  </p:par>
+                  <p:par>
+                    <p:cTn id="7" fill="hold">
+                      <p:stCondLst>
+                        <p:cond delay="indefinite"/>
+                      </p:stCondLst>
+                      <p:childTnLst>
+                        <p:par>
+                          <p:cTn id="8" fill="hold">
+                            <p:stCondLst>
+                              <p:cond delay="0"/>
+                            </p:stCondLst>
+                            <p:childTnLst>
+                              <p:par>
+                                <p:cTn id="9" presetID="1" presetClass="entr" presetSubtype="0" fill="hold" nodeType="clickEffect">
+                                  <p:stCondLst>
+                                    <p:cond delay="0"/>
+                                  </p:stCondLst>
+                                  <p:childTnLst>
+                                    <p:set>
+                                      <p:cBhvr>
+                                        <p:cTn id="10" dur="1" fill="hold">
+                                          <p:stCondLst>
+                                            <p:cond delay="0"/>
+                                          </p:stCondLst>
+                                        </p:cTn>
+                                        <p:tgtEl>
+                                          <p:spTgt spid="6">
+                                            <p:txEl>
+                                              <p:pRg st="3" end="3"/>
+                                            </p:txEl>
+                                          </p:spTgt>
+                                        </p:tgtEl>
+                                        <p:attrNameLst>
+                                          <p:attrName>style.visibility</p:attrName>
+                                        </p:attrNameLst>
+                                      </p:cBhvr>
+                                      <p:to>
+                                        <p:strVal val="visible"/>
+                                      </p:to>
+                                    </p:set>
+                                  </p:childTnLst>
+                                </p:cTn>
+                              </p:par>
+                              <p:par>
+                                <p:cTn id="11" presetID="1" presetClass="entr" presetSubtype="0" fill="hold" nodeType="withEffect">
+                                  <p:stCondLst>
+                                    <p:cond delay="0"/>
+                                  </p:stCondLst>
+                                  <p:childTnLst>
+                                    <p:set>
+                                      <p:cBhvr>
+                                        <p:cTn id="12" dur="1" fill="hold">
+                                          <p:stCondLst>
+                                            <p:cond delay="0"/>
+                                          </p:stCondLst>
+                                        </p:cTn>
+                                        <p:tgtEl>
+                                          <p:spTgt spid="6">
+                                            <p:txEl>
+                                              <p:pRg st="4" end="4"/>
+                                            </p:txEl>
+                                          </p:spTgt>
+                                        </p:tgtEl>
+                                        <p:attrNameLst>
+                                          <p:attrName>style.visibility</p:attrName>
+                                        </p:attrNameLst>
+                                      </p:cBhvr>
+                                      <p:to>
+                                        <p:strVal val="visible"/>
+                                      </p:to>
+                                    </p:set>
+                                  </p:childTnLst>
+                                </p:cTn>
+                              </p:par>
+                              <p:par>
+                                <p:cTn id="13" presetID="1" presetClass="entr" presetSubtype="0" fill="hold" nodeType="withEffect">
+                                  <p:stCondLst>
+                                    <p:cond delay="0"/>
+                                  </p:stCondLst>
+                                  <p:childTnLst>
+                                    <p:set>
+                                      <p:cBhvr>
+                                        <p:cTn id="14" dur="1" fill="hold">
+                                          <p:stCondLst>
+                                            <p:cond delay="0"/>
+                                          </p:stCondLst>
+                                        </p:cTn>
+                                        <p:tgtEl>
+                                          <p:spTgt spid="6">
+                                            <p:txEl>
+                                              <p:pRg st="5" end="5"/>
+                                            </p:txEl>
+                                          </p:spTgt>
+                                        </p:tgtEl>
+                                        <p:attrNameLst>
+                                          <p:attrName>style.visibility</p:attrName>
+                                        </p:attrNameLst>
+                                      </p:cBhvr>
+                                      <p:to>
+                                        <p:strVal val="visible"/>
+                                      </p:to>
+                                    </p:set>
+                                  </p:childTnLst>
+                                </p:cTn>
+                              </p:par>
+                            </p:childTnLst>
+                          </p:cTn>
+                        </p:par>
+                      </p:childTnLst>
+                    </p:cTn>
+                  </p:par>
+                </p:childTnLst>
+              </p:cTn>
+              <p:prevCondLst>
+                <p:cond evt="onPrev" delay="0">
+                  <p:tgtEl>
+                    <p:sldTgt/>
+                  </p:tgtEl>
+                </p:cond>
+              </p:prevCondLst>
+              <p:nextCondLst>
+                <p:cond evt="onNext" delay="0">
+                  <p:tgtEl>
+                    <p:sldTgt/>
+                  </p:tgtEl>
+                </p:cond>
+              </p:nextCondLst>
+            </p:seq>
+          </p:childTnLst>
+        </p:cTn>
+      </p:par>
+    </p:tnLst>
+  </p:timing>
 </p:sld>
 </file>
 
@@ -6097,6 +6348,114 @@
               <a:rPr lang="en-US" dirty="0"/>
               <a:t>Jedis library</a:t>
             </a:r>
+          </a:p>
+        </p:txBody>
+      </p:sp>
+      <p:sp>
+        <p:nvSpPr>
+          <p:cNvPr id="2" name="Rectangle 1">
+            <a:extLst>
+              <a:ext uri="{FF2B5EF4-FFF2-40B4-BE49-F238E27FC236}">
+                <a16:creationId xmlns:a16="http://schemas.microsoft.com/office/drawing/2014/main" id="{07E7950A-2648-A0AB-E34B-FCD563D8A655}"/>
+              </a:ext>
+            </a:extLst>
+          </p:cNvPr>
+          <p:cNvSpPr/>
+          <p:nvPr/>
+        </p:nvSpPr>
+        <p:spPr>
+          <a:xfrm>
+            <a:off x="360607" y="2638926"/>
+            <a:ext cx="10227182" cy="2534653"/>
+          </a:xfrm>
+          <a:prstGeom prst="rect">
+            <a:avLst/>
+          </a:prstGeom>
+          <a:noFill/>
+          <a:ln w="28575" cap="flat" cmpd="sng" algn="ctr">
+            <a:solidFill>
+              <a:schemeClr val="accent1"/>
+            </a:solidFill>
+            <a:prstDash val="solid"/>
+            <a:round/>
+            <a:headEnd type="none" w="med" len="med"/>
+            <a:tailEnd type="none" w="med" len="med"/>
+          </a:ln>
+        </p:spPr>
+        <p:style>
+          <a:lnRef idx="0">
+            <a:scrgbClr r="0" g="0" b="0"/>
+          </a:lnRef>
+          <a:fillRef idx="0">
+            <a:scrgbClr r="0" g="0" b="0"/>
+          </a:fillRef>
+          <a:effectRef idx="0">
+            <a:scrgbClr r="0" g="0" b="0"/>
+          </a:effectRef>
+          <a:fontRef idx="minor">
+            <a:schemeClr val="accent1"/>
+          </a:fontRef>
+        </p:style>
+        <p:txBody>
+          <a:bodyPr rtlCol="0" anchor="ctr"/>
+          <a:lstStyle/>
+          <a:p>
+            <a:pPr algn="ctr"/>
+            <a:endParaRPr lang="en-US"/>
+          </a:p>
+        </p:txBody>
+      </p:sp>
+      <p:sp>
+        <p:nvSpPr>
+          <p:cNvPr id="7" name="Rectangle 6">
+            <a:extLst>
+              <a:ext uri="{FF2B5EF4-FFF2-40B4-BE49-F238E27FC236}">
+                <a16:creationId xmlns:a16="http://schemas.microsoft.com/office/drawing/2014/main" id="{CCB488EF-920E-E6AF-7EDC-6D497D71FCA4}"/>
+              </a:ext>
+            </a:extLst>
+          </p:cNvPr>
+          <p:cNvSpPr/>
+          <p:nvPr/>
+        </p:nvSpPr>
+        <p:spPr>
+          <a:xfrm>
+            <a:off x="2662649" y="5173579"/>
+            <a:ext cx="2230193" cy="545432"/>
+          </a:xfrm>
+          <a:prstGeom prst="rect">
+            <a:avLst/>
+          </a:prstGeom>
+          <a:noFill/>
+          <a:ln w="28575" cap="flat" cmpd="sng" algn="ctr">
+            <a:solidFill>
+              <a:schemeClr val="accent1"/>
+            </a:solidFill>
+            <a:prstDash val="solid"/>
+            <a:round/>
+            <a:headEnd type="none" w="med" len="med"/>
+            <a:tailEnd type="none" w="med" len="med"/>
+          </a:ln>
+        </p:spPr>
+        <p:style>
+          <a:lnRef idx="0">
+            <a:scrgbClr r="0" g="0" b="0"/>
+          </a:lnRef>
+          <a:fillRef idx="0">
+            <a:scrgbClr r="0" g="0" b="0"/>
+          </a:fillRef>
+          <a:effectRef idx="0">
+            <a:scrgbClr r="0" g="0" b="0"/>
+          </a:effectRef>
+          <a:fontRef idx="minor">
+            <a:schemeClr val="accent1"/>
+          </a:fontRef>
+        </p:style>
+        <p:txBody>
+          <a:bodyPr rtlCol="0" anchor="ctr"/>
+          <a:lstStyle/>
+          <a:p>
+            <a:pPr algn="ctr"/>
+            <a:endParaRPr lang="en-US"/>
           </a:p>
         </p:txBody>
       </p:sp>
@@ -6167,6 +6526,96 @@
                       </p:childTnLst>
                     </p:cTn>
                   </p:par>
+                  <p:par>
+                    <p:cTn id="7" fill="hold">
+                      <p:stCondLst>
+                        <p:cond delay="indefinite"/>
+                      </p:stCondLst>
+                      <p:childTnLst>
+                        <p:par>
+                          <p:cTn id="8" fill="hold">
+                            <p:stCondLst>
+                              <p:cond delay="0"/>
+                            </p:stCondLst>
+                            <p:childTnLst>
+                              <p:par>
+                                <p:cTn id="9" presetID="1" presetClass="entr" presetSubtype="0" fill="hold" grpId="0" nodeType="clickEffect">
+                                  <p:stCondLst>
+                                    <p:cond delay="0"/>
+                                  </p:stCondLst>
+                                  <p:childTnLst>
+                                    <p:set>
+                                      <p:cBhvr>
+                                        <p:cTn id="10" dur="1" fill="hold">
+                                          <p:stCondLst>
+                                            <p:cond delay="0"/>
+                                          </p:stCondLst>
+                                        </p:cTn>
+                                        <p:tgtEl>
+                                          <p:spTgt spid="2"/>
+                                        </p:tgtEl>
+                                        <p:attrNameLst>
+                                          <p:attrName>style.visibility</p:attrName>
+                                        </p:attrNameLst>
+                                      </p:cBhvr>
+                                      <p:to>
+                                        <p:strVal val="visible"/>
+                                      </p:to>
+                                    </p:set>
+                                  </p:childTnLst>
+                                </p:cTn>
+                              </p:par>
+                            </p:childTnLst>
+                          </p:cTn>
+                        </p:par>
+                      </p:childTnLst>
+                    </p:cTn>
+                  </p:par>
+                  <p:par>
+                    <p:cTn id="11" fill="hold">
+                      <p:stCondLst>
+                        <p:cond delay="indefinite"/>
+                      </p:stCondLst>
+                      <p:childTnLst>
+                        <p:par>
+                          <p:cTn id="12" fill="hold">
+                            <p:stCondLst>
+                              <p:cond delay="0"/>
+                            </p:stCondLst>
+                            <p:childTnLst>
+                              <p:par>
+                                <p:cTn id="13" presetID="1" presetClass="entr" presetSubtype="0" fill="hold" grpId="0" nodeType="clickEffect">
+                                  <p:stCondLst>
+                                    <p:cond delay="0"/>
+                                  </p:stCondLst>
+                                  <p:childTnLst>
+                                    <p:set>
+                                      <p:cBhvr>
+                                        <p:cTn id="14" dur="1" fill="hold">
+                                          <p:stCondLst>
+                                            <p:cond delay="0"/>
+                                          </p:stCondLst>
+                                        </p:cTn>
+                                        <p:tgtEl>
+                                          <p:spTgt spid="7"/>
+                                        </p:tgtEl>
+                                        <p:attrNameLst>
+                                          <p:attrName>style.visibility</p:attrName>
+                                        </p:attrNameLst>
+                                      </p:cBhvr>
+                                      <p:to>
+                                        <p:strVal val="visible"/>
+                                      </p:to>
+                                    </p:set>
+                                  </p:childTnLst>
+                                </p:cTn>
+                              </p:par>
+                            </p:childTnLst>
+                          </p:cTn>
+                        </p:par>
+                      </p:childTnLst>
+                    </p:cTn>
+                  </p:par>
                 </p:childTnLst>
               </p:cTn>
               <p:prevCondLst>
@@ -6188,6 +6637,10 @@
         </p:cTn>
       </p:par>
     </p:tnLst>
+    <p:bldLst>
+      <p:bldP spid="2" grpId="0" animBg="1"/>
+      <p:bldP spid="7" grpId="0" animBg="1"/>
+    </p:bldLst>
   </p:timing>
 </p:sld>
 </file>
@@ -11322,7 +11775,9 @@
         </p:nvSpPr>
         <p:spPr/>
         <p:txBody>
-          <a:bodyPr/>
+          <a:bodyPr>
+            <a:normAutofit lnSpcReduction="10000"/>
+          </a:bodyPr>
           <a:lstStyle/>
           <a:p>
             <a:r>
@@ -11372,6 +11827,36 @@
               <a:t>https://redis.io/docs/latest/commands/scan/</a:t>
             </a:r>
             <a:endParaRPr lang="en-US" dirty="0"/>
+          </a:p>
+          <a:p>
+            <a:pPr lvl="2"/>
+            <a:r>
+              <a:rPr lang="en-US" dirty="0" err="1">
+                <a:latin typeface="Consolas" panose="020B0609020204030204" pitchFamily="49" charset="0"/>
+              </a:rPr>
+              <a:t>redis</a:t>
+            </a:r>
+            <a:r>
+              <a:rPr lang="en-US" dirty="0">
+                <a:latin typeface="Consolas" panose="020B0609020204030204" pitchFamily="49" charset="0"/>
+              </a:rPr>
+              <a:t>-cli set "name12" "tapti12“</a:t>
+            </a:r>
+          </a:p>
+          <a:p>
+            <a:pPr lvl="2"/>
+            <a:r>
+              <a:rPr lang="en-US" dirty="0" err="1">
+                <a:latin typeface="Consolas" panose="020B0609020204030204" pitchFamily="49" charset="0"/>
+              </a:rPr>
+              <a:t>redis</a:t>
+            </a:r>
+            <a:r>
+              <a:rPr lang="en-US" dirty="0">
+                <a:latin typeface="Consolas" panose="020B0609020204030204" pitchFamily="49" charset="0"/>
+              </a:rPr>
+              <a:t>-cli scan 0 MATCH "name1*"</a:t>
+            </a:r>
           </a:p>
           <a:p>
             <a:r>
@@ -11616,26 +12101,39 @@
                                   </p:childTnLst>
                                 </p:cTn>
                               </p:par>
-                            </p:childTnLst>
-                          </p:cTn>
-                        </p:par>
-                      </p:childTnLst>
-                    </p:cTn>
-                  </p:par>
-                  <p:par>
-                    <p:cTn id="17" fill="hold">
-                      <p:stCondLst>
-                        <p:cond delay="indefinite"/>
-                      </p:stCondLst>
-                      <p:childTnLst>
-                        <p:par>
-                          <p:cTn id="18" fill="hold">
-                            <p:stCondLst>
-                              <p:cond delay="0"/>
-                            </p:stCondLst>
-                            <p:childTnLst>
                               <p:par>
-                                <p:cTn id="19" presetID="1" presetClass="entr" presetSubtype="0" fill="hold" nodeType="clickEffect">
+                                <p:cTn id="17" presetID="1" presetClass="entr" presetSubtype="0" fill="hold" nodeType="withEffect">
+                                  <p:stCondLst>
+                                    <p:cond delay="0"/>
+                                  </p:stCondLst>
+                                  <p:childTnLst>
+                                    <p:set>
+                                      <p:cBhvr>
+                                        <p:cTn id="18" dur="1" fill="hold">
+                                          <p:stCondLst>
+                                            <p:cond delay="0"/>
+                                          </p:stCondLst>
+                                        </p:cTn>
+                                        <p:tgtEl>
+                                          <p:spTgt spid="6">
+                                            <p:txEl>
+                                              <p:pRg st="6" end="6"/>
+                                            </p:txEl>
+                                          </p:spTgt>
+                                        </p:tgtEl>
+                                        <p:attrNameLst>
+                                          <p:attrName>style.visibility</p:attrName>
+                                        </p:attrNameLst>
+                                      </p:cBhvr>
+                                      <p:to>
+                                        <p:strVal val="visible"/>
+                                      </p:to>
+                                    </p:set>
+                                  </p:childTnLst>
+                                </p:cTn>
+                              </p:par>
+                              <p:par>
+                                <p:cTn id="19" presetID="1" presetClass="entr" presetSubtype="0" fill="hold" nodeType="withEffect">
                                   <p:stCondLst>
                                     <p:cond delay="0"/>
                                   </p:stCondLst>
@@ -11650,7 +12148,56 @@
                                         <p:tgtEl>
                                           <p:spTgt spid="6">
                                             <p:txEl>
-                                              <p:pRg st="6" end="6"/>
+                                              <p:pRg st="7" end="7"/>
+                                            </p:txEl>
+                                          </p:spTgt>
+                                        </p:tgtEl>
+                                        <p:attrNameLst>
+                                          <p:attrName>style.visibility</p:attrName>
+                                        </p:attrNameLst>
+                                      </p:cBhvr>
+                                      <p:to>
+                                        <p:strVal val="visible"/>
+                                      </p:to>
+                                    </p:set>
+                                  </p:childTnLst>
+                                </p:cTn>
+                              </p:par>
+                            </p:childTnLst>
+                          </p:cTn>
+                        </p:par>
+                      </p:childTnLst>
+                    </p:cTn>
+                  </p:par>
+                  <p:par>
+                    <p:cTn id="21" fill="hold">
+                      <p:stCondLst>
+                        <p:cond delay="indefinite"/>
+                      </p:stCondLst>
+                      <p:childTnLst>
+                        <p:par>
+                          <p:cTn id="22" fill="hold">
+                            <p:stCondLst>
+                              <p:cond delay="0"/>
+                            </p:stCondLst>
+                            <p:childTnLst>
+                              <p:par>
+                                <p:cTn id="23" presetID="1" presetClass="entr" presetSubtype="0" fill="hold" nodeType="clickEffect">
+                                  <p:stCondLst>
+                                    <p:cond delay="0"/>
+                                  </p:stCondLst>
+                                  <p:childTnLst>
+                                    <p:set>
+                                      <p:cBhvr>
+                                        <p:cTn id="24" dur="1" fill="hold">
+                                          <p:stCondLst>
+                                            <p:cond delay="0"/>
+                                          </p:stCondLst>
+                                        </p:cTn>
+                                        <p:tgtEl>
+                                          <p:spTgt spid="6">
+                                            <p:txEl>
+                                              <p:pRg st="8" end="8"/>
                                             </p:txEl>
                                           </p:spTgt>
                                         </p:tgtEl>
